--- a/Thinkful Data Science Course/Unit3 Deeper into Supervised Learning/The US Army’s Physical Fitness Test.pptx
+++ b/Thinkful Data Science Course/Unit3 Deeper into Supervised Learning/The US Army’s Physical Fitness Test.pptx
@@ -4,15 +4,20 @@
   <p:sldMasterIdLst>
     <p:sldMasterId id="2147483648" r:id="rId1"/>
   </p:sldMasterIdLst>
+  <p:notesMasterIdLst>
+    <p:notesMasterId r:id="rId12"/>
+  </p:notesMasterIdLst>
   <p:sldIdLst>
     <p:sldId id="256" r:id="rId2"/>
     <p:sldId id="259" r:id="rId3"/>
     <p:sldId id="258" r:id="rId4"/>
     <p:sldId id="257" r:id="rId5"/>
     <p:sldId id="260" r:id="rId6"/>
-    <p:sldId id="261" r:id="rId7"/>
-    <p:sldId id="262" r:id="rId8"/>
-    <p:sldId id="263" r:id="rId9"/>
+    <p:sldId id="264" r:id="rId7"/>
+    <p:sldId id="261" r:id="rId8"/>
+    <p:sldId id="265" r:id="rId9"/>
+    <p:sldId id="262" r:id="rId10"/>
+    <p:sldId id="263" r:id="rId11"/>
   </p:sldIdLst>
   <p:sldSz cx="12192000" cy="6858000"/>
   <p:notesSz cx="6858000" cy="9144000"/>
@@ -111,7 +116,454 @@
       </a:defRPr>
     </a:lvl9pPr>
   </p:defaultTextStyle>
+  <p:extLst>
+    <p:ext uri="{EFAFB233-063F-42B5-8137-9DF3F51BA10A}">
+      <p15:sldGuideLst xmlns:p15="http://schemas.microsoft.com/office/powerpoint/2012/main"/>
+    </p:ext>
+  </p:extLst>
 </p:presentation>
+</file>
+
+<file path=ppt/notesMasters/notesMaster1.xml><?xml version="1.0" encoding="utf-8"?>
+<p:notesMaster xmlns:a="http://schemas.openxmlformats.org/drawingml/2006/main" xmlns:r="http://schemas.openxmlformats.org/officeDocument/2006/relationships" xmlns:p="http://schemas.openxmlformats.org/presentationml/2006/main">
+  <p:cSld>
+    <p:bg>
+      <p:bgRef idx="1001">
+        <a:schemeClr val="bg1"/>
+      </p:bgRef>
+    </p:bg>
+    <p:spTree>
+      <p:nvGrpSpPr>
+        <p:cNvPr id="1" name=""/>
+        <p:cNvGrpSpPr/>
+        <p:nvPr/>
+      </p:nvGrpSpPr>
+      <p:grpSpPr>
+        <a:xfrm>
+          <a:off x="0" y="0"/>
+          <a:ext cx="0" cy="0"/>
+          <a:chOff x="0" y="0"/>
+          <a:chExt cx="0" cy="0"/>
+        </a:xfrm>
+      </p:grpSpPr>
+      <p:sp>
+        <p:nvSpPr>
+          <p:cNvPr id="2" name="Header Placeholder 1"/>
+          <p:cNvSpPr>
+            <a:spLocks noGrp="1"/>
+          </p:cNvSpPr>
+          <p:nvPr>
+            <p:ph type="hdr" sz="quarter"/>
+          </p:nvPr>
+        </p:nvSpPr>
+        <p:spPr>
+          <a:xfrm>
+            <a:off x="0" y="0"/>
+            <a:ext cx="2971800" cy="458788"/>
+          </a:xfrm>
+          <a:prstGeom prst="rect">
+            <a:avLst/>
+          </a:prstGeom>
+        </p:spPr>
+        <p:txBody>
+          <a:bodyPr vert="horz" lIns="91440" tIns="45720" rIns="91440" bIns="45720" rtlCol="0"/>
+          <a:lstStyle>
+            <a:lvl1pPr algn="l">
+              <a:defRPr sz="1200"/>
+            </a:lvl1pPr>
+          </a:lstStyle>
+          <a:p>
+            <a:endParaRPr lang="en-US"/>
+          </a:p>
+        </p:txBody>
+      </p:sp>
+      <p:sp>
+        <p:nvSpPr>
+          <p:cNvPr id="3" name="Date Placeholder 2"/>
+          <p:cNvSpPr>
+            <a:spLocks noGrp="1"/>
+          </p:cNvSpPr>
+          <p:nvPr>
+            <p:ph type="dt" idx="1"/>
+          </p:nvPr>
+        </p:nvSpPr>
+        <p:spPr>
+          <a:xfrm>
+            <a:off x="3884613" y="0"/>
+            <a:ext cx="2971800" cy="458788"/>
+          </a:xfrm>
+          <a:prstGeom prst="rect">
+            <a:avLst/>
+          </a:prstGeom>
+        </p:spPr>
+        <p:txBody>
+          <a:bodyPr vert="horz" lIns="91440" tIns="45720" rIns="91440" bIns="45720" rtlCol="0"/>
+          <a:lstStyle>
+            <a:lvl1pPr algn="r">
+              <a:defRPr sz="1200"/>
+            </a:lvl1pPr>
+          </a:lstStyle>
+          <a:p>
+            <a:fld id="{06FE243E-088D-4416-99D2-CB3D8C69E0D8}" type="datetimeFigureOut">
+              <a:rPr lang="en-US" smtClean="0"/>
+              <a:t>6/17/2019</a:t>
+            </a:fld>
+            <a:endParaRPr lang="en-US"/>
+          </a:p>
+        </p:txBody>
+      </p:sp>
+      <p:sp>
+        <p:nvSpPr>
+          <p:cNvPr id="4" name="Slide Image Placeholder 3"/>
+          <p:cNvSpPr>
+            <a:spLocks noGrp="1" noRot="1" noChangeAspect="1"/>
+          </p:cNvSpPr>
+          <p:nvPr>
+            <p:ph type="sldImg" idx="2"/>
+          </p:nvPr>
+        </p:nvSpPr>
+        <p:spPr>
+          <a:xfrm>
+            <a:off x="685800" y="1143000"/>
+            <a:ext cx="5486400" cy="3086100"/>
+          </a:xfrm>
+          <a:prstGeom prst="rect">
+            <a:avLst/>
+          </a:prstGeom>
+          <a:noFill/>
+          <a:ln w="12700">
+            <a:solidFill>
+              <a:prstClr val="black"/>
+            </a:solidFill>
+          </a:ln>
+        </p:spPr>
+        <p:txBody>
+          <a:bodyPr vert="horz" lIns="91440" tIns="45720" rIns="91440" bIns="45720" rtlCol="0" anchor="ctr"/>
+          <a:lstStyle/>
+          <a:p>
+            <a:endParaRPr lang="en-US"/>
+          </a:p>
+        </p:txBody>
+      </p:sp>
+      <p:sp>
+        <p:nvSpPr>
+          <p:cNvPr id="5" name="Notes Placeholder 4"/>
+          <p:cNvSpPr>
+            <a:spLocks noGrp="1"/>
+          </p:cNvSpPr>
+          <p:nvPr>
+            <p:ph type="body" sz="quarter" idx="3"/>
+          </p:nvPr>
+        </p:nvSpPr>
+        <p:spPr>
+          <a:xfrm>
+            <a:off x="685800" y="4400550"/>
+            <a:ext cx="5486400" cy="3600450"/>
+          </a:xfrm>
+          <a:prstGeom prst="rect">
+            <a:avLst/>
+          </a:prstGeom>
+        </p:spPr>
+        <p:txBody>
+          <a:bodyPr vert="horz" lIns="91440" tIns="45720" rIns="91440" bIns="45720" rtlCol="0"/>
+          <a:lstStyle/>
+          <a:p>
+            <a:pPr lvl="0"/>
+            <a:r>
+              <a:rPr lang="en-US"/>
+              <a:t>Click to edit Master text styles</a:t>
+            </a:r>
+          </a:p>
+          <a:p>
+            <a:pPr lvl="1"/>
+            <a:r>
+              <a:rPr lang="en-US"/>
+              <a:t>Second level</a:t>
+            </a:r>
+          </a:p>
+          <a:p>
+            <a:pPr lvl="2"/>
+            <a:r>
+              <a:rPr lang="en-US"/>
+              <a:t>Third level</a:t>
+            </a:r>
+          </a:p>
+          <a:p>
+            <a:pPr lvl="3"/>
+            <a:r>
+              <a:rPr lang="en-US"/>
+              <a:t>Fourth level</a:t>
+            </a:r>
+          </a:p>
+          <a:p>
+            <a:pPr lvl="4"/>
+            <a:r>
+              <a:rPr lang="en-US"/>
+              <a:t>Fifth level</a:t>
+            </a:r>
+          </a:p>
+        </p:txBody>
+      </p:sp>
+      <p:sp>
+        <p:nvSpPr>
+          <p:cNvPr id="6" name="Footer Placeholder 5"/>
+          <p:cNvSpPr>
+            <a:spLocks noGrp="1"/>
+          </p:cNvSpPr>
+          <p:nvPr>
+            <p:ph type="ftr" sz="quarter" idx="4"/>
+          </p:nvPr>
+        </p:nvSpPr>
+        <p:spPr>
+          <a:xfrm>
+            <a:off x="0" y="8685213"/>
+            <a:ext cx="2971800" cy="458787"/>
+          </a:xfrm>
+          <a:prstGeom prst="rect">
+            <a:avLst/>
+          </a:prstGeom>
+        </p:spPr>
+        <p:txBody>
+          <a:bodyPr vert="horz" lIns="91440" tIns="45720" rIns="91440" bIns="45720" rtlCol="0" anchor="b"/>
+          <a:lstStyle>
+            <a:lvl1pPr algn="l">
+              <a:defRPr sz="1200"/>
+            </a:lvl1pPr>
+          </a:lstStyle>
+          <a:p>
+            <a:endParaRPr lang="en-US"/>
+          </a:p>
+        </p:txBody>
+      </p:sp>
+      <p:sp>
+        <p:nvSpPr>
+          <p:cNvPr id="7" name="Slide Number Placeholder 6"/>
+          <p:cNvSpPr>
+            <a:spLocks noGrp="1"/>
+          </p:cNvSpPr>
+          <p:nvPr>
+            <p:ph type="sldNum" sz="quarter" idx="5"/>
+          </p:nvPr>
+        </p:nvSpPr>
+        <p:spPr>
+          <a:xfrm>
+            <a:off x="3884613" y="8685213"/>
+            <a:ext cx="2971800" cy="458787"/>
+          </a:xfrm>
+          <a:prstGeom prst="rect">
+            <a:avLst/>
+          </a:prstGeom>
+        </p:spPr>
+        <p:txBody>
+          <a:bodyPr vert="horz" lIns="91440" tIns="45720" rIns="91440" bIns="45720" rtlCol="0" anchor="b"/>
+          <a:lstStyle>
+            <a:lvl1pPr algn="r">
+              <a:defRPr sz="1200"/>
+            </a:lvl1pPr>
+          </a:lstStyle>
+          <a:p>
+            <a:fld id="{F85BEB39-58D4-4C59-AA14-54DCDF98B299}" type="slidenum">
+              <a:rPr lang="en-US" smtClean="0"/>
+              <a:t>‹#›</a:t>
+            </a:fld>
+            <a:endParaRPr lang="en-US"/>
+          </a:p>
+        </p:txBody>
+      </p:sp>
+    </p:spTree>
+    <p:extLst>
+      <p:ext uri="{BB962C8B-B14F-4D97-AF65-F5344CB8AC3E}">
+        <p14:creationId xmlns:p14="http://schemas.microsoft.com/office/powerpoint/2010/main" val="1617462220"/>
+      </p:ext>
+    </p:extLst>
+  </p:cSld>
+  <p:clrMap bg1="lt1" tx1="dk1" bg2="lt2" tx2="dk2" accent1="accent1" accent2="accent2" accent3="accent3" accent4="accent4" accent5="accent5" accent6="accent6" hlink="hlink" folHlink="folHlink"/>
+  <p:notesStyle>
+    <a:lvl1pPr marL="0" algn="l" defTabSz="914400" rtl="0" eaLnBrk="1" latinLnBrk="0" hangingPunct="1">
+      <a:defRPr sz="1200" kern="1200">
+        <a:solidFill>
+          <a:schemeClr val="tx1"/>
+        </a:solidFill>
+        <a:latin typeface="+mn-lt"/>
+        <a:ea typeface="+mn-ea"/>
+        <a:cs typeface="+mn-cs"/>
+      </a:defRPr>
+    </a:lvl1pPr>
+    <a:lvl2pPr marL="457200" algn="l" defTabSz="914400" rtl="0" eaLnBrk="1" latinLnBrk="0" hangingPunct="1">
+      <a:defRPr sz="1200" kern="1200">
+        <a:solidFill>
+          <a:schemeClr val="tx1"/>
+        </a:solidFill>
+        <a:latin typeface="+mn-lt"/>
+        <a:ea typeface="+mn-ea"/>
+        <a:cs typeface="+mn-cs"/>
+      </a:defRPr>
+    </a:lvl2pPr>
+    <a:lvl3pPr marL="914400" algn="l" defTabSz="914400" rtl="0" eaLnBrk="1" latinLnBrk="0" hangingPunct="1">
+      <a:defRPr sz="1200" kern="1200">
+        <a:solidFill>
+          <a:schemeClr val="tx1"/>
+        </a:solidFill>
+        <a:latin typeface="+mn-lt"/>
+        <a:ea typeface="+mn-ea"/>
+        <a:cs typeface="+mn-cs"/>
+      </a:defRPr>
+    </a:lvl3pPr>
+    <a:lvl4pPr marL="1371600" algn="l" defTabSz="914400" rtl="0" eaLnBrk="1" latinLnBrk="0" hangingPunct="1">
+      <a:defRPr sz="1200" kern="1200">
+        <a:solidFill>
+          <a:schemeClr val="tx1"/>
+        </a:solidFill>
+        <a:latin typeface="+mn-lt"/>
+        <a:ea typeface="+mn-ea"/>
+        <a:cs typeface="+mn-cs"/>
+      </a:defRPr>
+    </a:lvl4pPr>
+    <a:lvl5pPr marL="1828800" algn="l" defTabSz="914400" rtl="0" eaLnBrk="1" latinLnBrk="0" hangingPunct="1">
+      <a:defRPr sz="1200" kern="1200">
+        <a:solidFill>
+          <a:schemeClr val="tx1"/>
+        </a:solidFill>
+        <a:latin typeface="+mn-lt"/>
+        <a:ea typeface="+mn-ea"/>
+        <a:cs typeface="+mn-cs"/>
+      </a:defRPr>
+    </a:lvl5pPr>
+    <a:lvl6pPr marL="2286000" algn="l" defTabSz="914400" rtl="0" eaLnBrk="1" latinLnBrk="0" hangingPunct="1">
+      <a:defRPr sz="1200" kern="1200">
+        <a:solidFill>
+          <a:schemeClr val="tx1"/>
+        </a:solidFill>
+        <a:latin typeface="+mn-lt"/>
+        <a:ea typeface="+mn-ea"/>
+        <a:cs typeface="+mn-cs"/>
+      </a:defRPr>
+    </a:lvl6pPr>
+    <a:lvl7pPr marL="2743200" algn="l" defTabSz="914400" rtl="0" eaLnBrk="1" latinLnBrk="0" hangingPunct="1">
+      <a:defRPr sz="1200" kern="1200">
+        <a:solidFill>
+          <a:schemeClr val="tx1"/>
+        </a:solidFill>
+        <a:latin typeface="+mn-lt"/>
+        <a:ea typeface="+mn-ea"/>
+        <a:cs typeface="+mn-cs"/>
+      </a:defRPr>
+    </a:lvl7pPr>
+    <a:lvl8pPr marL="3200400" algn="l" defTabSz="914400" rtl="0" eaLnBrk="1" latinLnBrk="0" hangingPunct="1">
+      <a:defRPr sz="1200" kern="1200">
+        <a:solidFill>
+          <a:schemeClr val="tx1"/>
+        </a:solidFill>
+        <a:latin typeface="+mn-lt"/>
+        <a:ea typeface="+mn-ea"/>
+        <a:cs typeface="+mn-cs"/>
+      </a:defRPr>
+    </a:lvl8pPr>
+    <a:lvl9pPr marL="3657600" algn="l" defTabSz="914400" rtl="0" eaLnBrk="1" latinLnBrk="0" hangingPunct="1">
+      <a:defRPr sz="1200" kern="1200">
+        <a:solidFill>
+          <a:schemeClr val="tx1"/>
+        </a:solidFill>
+        <a:latin typeface="+mn-lt"/>
+        <a:ea typeface="+mn-ea"/>
+        <a:cs typeface="+mn-cs"/>
+      </a:defRPr>
+    </a:lvl9pPr>
+  </p:notesStyle>
+</p:notesMaster>
+</file>
+
+<file path=ppt/notesSlides/notesSlide1.xml><?xml version="1.0" encoding="utf-8"?>
+<p:notes xmlns:a="http://schemas.openxmlformats.org/drawingml/2006/main" xmlns:r="http://schemas.openxmlformats.org/officeDocument/2006/relationships" xmlns:p="http://schemas.openxmlformats.org/presentationml/2006/main">
+  <p:cSld>
+    <p:spTree>
+      <p:nvGrpSpPr>
+        <p:cNvPr id="1" name=""/>
+        <p:cNvGrpSpPr/>
+        <p:nvPr/>
+      </p:nvGrpSpPr>
+      <p:grpSpPr>
+        <a:xfrm>
+          <a:off x="0" y="0"/>
+          <a:ext cx="0" cy="0"/>
+          <a:chOff x="0" y="0"/>
+          <a:chExt cx="0" cy="0"/>
+        </a:xfrm>
+      </p:grpSpPr>
+      <p:sp>
+        <p:nvSpPr>
+          <p:cNvPr id="2" name="Slide Image Placeholder 1"/>
+          <p:cNvSpPr>
+            <a:spLocks noGrp="1" noRot="1" noChangeAspect="1"/>
+          </p:cNvSpPr>
+          <p:nvPr>
+            <p:ph type="sldImg"/>
+          </p:nvPr>
+        </p:nvSpPr>
+        <p:spPr/>
+      </p:sp>
+      <p:sp>
+        <p:nvSpPr>
+          <p:cNvPr id="3" name="Notes Placeholder 2"/>
+          <p:cNvSpPr>
+            <a:spLocks noGrp="1"/>
+          </p:cNvSpPr>
+          <p:nvPr>
+            <p:ph type="body" idx="1"/>
+          </p:nvPr>
+        </p:nvSpPr>
+        <p:spPr/>
+        <p:txBody>
+          <a:bodyPr/>
+          <a:lstStyle/>
+          <a:p>
+            <a:r>
+              <a:rPr lang="en-US" dirty="0"/>
+              <a:t>BOLD: Triggers exponential growth.  1 Unit increase in sit-up, leads to a .12 increase overall</a:t>
+            </a:r>
+          </a:p>
+          <a:p>
+            <a:r>
+              <a:rPr lang="en-US" dirty="0"/>
+              <a:t>Data by design is classified very clearly (result binary)</a:t>
+            </a:r>
+          </a:p>
+        </p:txBody>
+      </p:sp>
+      <p:sp>
+        <p:nvSpPr>
+          <p:cNvPr id="4" name="Slide Number Placeholder 3"/>
+          <p:cNvSpPr>
+            <a:spLocks noGrp="1"/>
+          </p:cNvSpPr>
+          <p:nvPr>
+            <p:ph type="sldNum" sz="quarter" idx="5"/>
+          </p:nvPr>
+        </p:nvSpPr>
+        <p:spPr/>
+        <p:txBody>
+          <a:bodyPr/>
+          <a:lstStyle/>
+          <a:p>
+            <a:fld id="{F85BEB39-58D4-4C59-AA14-54DCDF98B299}" type="slidenum">
+              <a:rPr lang="en-US" smtClean="0"/>
+              <a:t>5</a:t>
+            </a:fld>
+            <a:endParaRPr lang="en-US"/>
+          </a:p>
+        </p:txBody>
+      </p:sp>
+    </p:spTree>
+    <p:extLst>
+      <p:ext uri="{BB962C8B-B14F-4D97-AF65-F5344CB8AC3E}">
+        <p14:creationId xmlns:p14="http://schemas.microsoft.com/office/powerpoint/2010/main" val="1035376300"/>
+      </p:ext>
+    </p:extLst>
+  </p:cSld>
+  <p:clrMapOvr>
+    <a:masterClrMapping/>
+  </p:clrMapOvr>
+</p:notes>
 </file>
 
 <file path=ppt/slideLayouts/slideLayout1.xml><?xml version="1.0" encoding="utf-8"?>
@@ -261,7 +713,7 @@
           <a:p>
             <a:fld id="{039D0541-D58E-4CD7-AF82-363E90911AF2}" type="datetimeFigureOut">
               <a:rPr lang="en-US" smtClean="0"/>
-              <a:t>6/16/2019</a:t>
+              <a:t>6/17/2019</a:t>
             </a:fld>
             <a:endParaRPr lang="en-US"/>
           </a:p>
@@ -459,7 +911,7 @@
           <a:p>
             <a:fld id="{039D0541-D58E-4CD7-AF82-363E90911AF2}" type="datetimeFigureOut">
               <a:rPr lang="en-US" smtClean="0"/>
-              <a:t>6/16/2019</a:t>
+              <a:t>6/17/2019</a:t>
             </a:fld>
             <a:endParaRPr lang="en-US"/>
           </a:p>
@@ -667,7 +1119,7 @@
           <a:p>
             <a:fld id="{039D0541-D58E-4CD7-AF82-363E90911AF2}" type="datetimeFigureOut">
               <a:rPr lang="en-US" smtClean="0"/>
-              <a:t>6/16/2019</a:t>
+              <a:t>6/17/2019</a:t>
             </a:fld>
             <a:endParaRPr lang="en-US"/>
           </a:p>
@@ -865,7 +1317,7 @@
           <a:p>
             <a:fld id="{039D0541-D58E-4CD7-AF82-363E90911AF2}" type="datetimeFigureOut">
               <a:rPr lang="en-US" smtClean="0"/>
-              <a:t>6/16/2019</a:t>
+              <a:t>6/17/2019</a:t>
             </a:fld>
             <a:endParaRPr lang="en-US"/>
           </a:p>
@@ -1140,7 +1592,7 @@
           <a:p>
             <a:fld id="{039D0541-D58E-4CD7-AF82-363E90911AF2}" type="datetimeFigureOut">
               <a:rPr lang="en-US" smtClean="0"/>
-              <a:t>6/16/2019</a:t>
+              <a:t>6/17/2019</a:t>
             </a:fld>
             <a:endParaRPr lang="en-US"/>
           </a:p>
@@ -1405,7 +1857,7 @@
           <a:p>
             <a:fld id="{039D0541-D58E-4CD7-AF82-363E90911AF2}" type="datetimeFigureOut">
               <a:rPr lang="en-US" smtClean="0"/>
-              <a:t>6/16/2019</a:t>
+              <a:t>6/17/2019</a:t>
             </a:fld>
             <a:endParaRPr lang="en-US"/>
           </a:p>
@@ -1817,7 +2269,7 @@
           <a:p>
             <a:fld id="{039D0541-D58E-4CD7-AF82-363E90911AF2}" type="datetimeFigureOut">
               <a:rPr lang="en-US" smtClean="0"/>
-              <a:t>6/16/2019</a:t>
+              <a:t>6/17/2019</a:t>
             </a:fld>
             <a:endParaRPr lang="en-US"/>
           </a:p>
@@ -1958,7 +2410,7 @@
           <a:p>
             <a:fld id="{039D0541-D58E-4CD7-AF82-363E90911AF2}" type="datetimeFigureOut">
               <a:rPr lang="en-US" smtClean="0"/>
-              <a:t>6/16/2019</a:t>
+              <a:t>6/17/2019</a:t>
             </a:fld>
             <a:endParaRPr lang="en-US"/>
           </a:p>
@@ -2071,7 +2523,7 @@
           <a:p>
             <a:fld id="{039D0541-D58E-4CD7-AF82-363E90911AF2}" type="datetimeFigureOut">
               <a:rPr lang="en-US" smtClean="0"/>
-              <a:t>6/16/2019</a:t>
+              <a:t>6/17/2019</a:t>
             </a:fld>
             <a:endParaRPr lang="en-US"/>
           </a:p>
@@ -2382,7 +2834,7 @@
           <a:p>
             <a:fld id="{039D0541-D58E-4CD7-AF82-363E90911AF2}" type="datetimeFigureOut">
               <a:rPr lang="en-US" smtClean="0"/>
-              <a:t>6/16/2019</a:t>
+              <a:t>6/17/2019</a:t>
             </a:fld>
             <a:endParaRPr lang="en-US"/>
           </a:p>
@@ -2670,7 +3122,7 @@
           <a:p>
             <a:fld id="{039D0541-D58E-4CD7-AF82-363E90911AF2}" type="datetimeFigureOut">
               <a:rPr lang="en-US" smtClean="0"/>
-              <a:t>6/16/2019</a:t>
+              <a:t>6/17/2019</a:t>
             </a:fld>
             <a:endParaRPr lang="en-US"/>
           </a:p>
@@ -2911,7 +3363,7 @@
           <a:p>
             <a:fld id="{039D0541-D58E-4CD7-AF82-363E90911AF2}" type="datetimeFigureOut">
               <a:rPr lang="en-US" smtClean="0"/>
-              <a:t>6/16/2019</a:t>
+              <a:t>6/17/2019</a:t>
             </a:fld>
             <a:endParaRPr lang="en-US"/>
           </a:p>
@@ -3415,6 +3867,104 @@
 </p:sld>
 </file>
 
+<file path=ppt/slides/slide10.xml><?xml version="1.0" encoding="utf-8"?>
+<p:sld xmlns:a="http://schemas.openxmlformats.org/drawingml/2006/main" xmlns:r="http://schemas.openxmlformats.org/officeDocument/2006/relationships" xmlns:p="http://schemas.openxmlformats.org/presentationml/2006/main">
+  <p:cSld>
+    <p:spTree>
+      <p:nvGrpSpPr>
+        <p:cNvPr id="1" name=""/>
+        <p:cNvGrpSpPr/>
+        <p:nvPr/>
+      </p:nvGrpSpPr>
+      <p:grpSpPr>
+        <a:xfrm>
+          <a:off x="0" y="0"/>
+          <a:ext cx="0" cy="0"/>
+          <a:chOff x="0" y="0"/>
+          <a:chExt cx="0" cy="0"/>
+        </a:xfrm>
+      </p:grpSpPr>
+      <p:sp>
+        <p:nvSpPr>
+          <p:cNvPr id="2" name="Title 1">
+            <a:extLst>
+              <a:ext uri="{FF2B5EF4-FFF2-40B4-BE49-F238E27FC236}">
+                <a16:creationId xmlns:a16="http://schemas.microsoft.com/office/drawing/2014/main" id="{AF77A6D6-C7CC-4F87-8EC7-B64151A81998}"/>
+              </a:ext>
+            </a:extLst>
+          </p:cNvPr>
+          <p:cNvSpPr>
+            <a:spLocks noGrp="1"/>
+          </p:cNvSpPr>
+          <p:nvPr>
+            <p:ph type="title"/>
+          </p:nvPr>
+        </p:nvSpPr>
+        <p:spPr/>
+        <p:txBody>
+          <a:bodyPr/>
+          <a:lstStyle/>
+          <a:p>
+            <a:pPr algn="ctr"/>
+            <a:r>
+              <a:rPr lang="en-US" dirty="0"/>
+              <a:t>Recommendations</a:t>
+            </a:r>
+          </a:p>
+        </p:txBody>
+      </p:sp>
+      <p:sp>
+        <p:nvSpPr>
+          <p:cNvPr id="3" name="Content Placeholder 2">
+            <a:extLst>
+              <a:ext uri="{FF2B5EF4-FFF2-40B4-BE49-F238E27FC236}">
+                <a16:creationId xmlns:a16="http://schemas.microsoft.com/office/drawing/2014/main" id="{C914E36B-29F3-4FB4-A77F-F4076A53CFCC}"/>
+              </a:ext>
+            </a:extLst>
+          </p:cNvPr>
+          <p:cNvSpPr>
+            <a:spLocks noGrp="1"/>
+          </p:cNvSpPr>
+          <p:nvPr>
+            <p:ph idx="1"/>
+          </p:nvPr>
+        </p:nvSpPr>
+        <p:spPr/>
+        <p:txBody>
+          <a:bodyPr/>
+          <a:lstStyle/>
+          <a:p>
+            <a:r>
+              <a:rPr lang="en-US" dirty="0"/>
+              <a:t>Failures of the initial APFT should be put into a separate Basic Training Company.</a:t>
+            </a:r>
+          </a:p>
+          <a:p>
+            <a:r>
+              <a:rPr lang="en-US" dirty="0"/>
+              <a:t>Failures should work more on their Sit-ups to prevent injury as well as improve their overall </a:t>
+            </a:r>
+            <a:r>
+              <a:rPr lang="en-US"/>
+              <a:t>score.</a:t>
+            </a:r>
+            <a:endParaRPr lang="en-US" dirty="0"/>
+          </a:p>
+        </p:txBody>
+      </p:sp>
+    </p:spTree>
+    <p:extLst>
+      <p:ext uri="{BB962C8B-B14F-4D97-AF65-F5344CB8AC3E}">
+        <p14:creationId xmlns:p14="http://schemas.microsoft.com/office/powerpoint/2010/main" val="672735954"/>
+      </p:ext>
+    </p:extLst>
+  </p:cSld>
+  <p:clrMapOvr>
+    <a:masterClrMapping/>
+  </p:clrMapOvr>
+</p:sld>
+</file>
+
 <file path=ppt/slides/slide2.xml><?xml version="1.0" encoding="utf-8"?>
 <p:sld xmlns:a="http://schemas.openxmlformats.org/drawingml/2006/main" xmlns:r="http://schemas.openxmlformats.org/officeDocument/2006/relationships" xmlns:p="http://schemas.openxmlformats.org/presentationml/2006/main">
   <p:cSld>
@@ -4005,53 +4555,6 @@
           <a:chExt cx="0" cy="0"/>
         </a:xfrm>
       </p:grpSpPr>
-      <p:pic>
-        <p:nvPicPr>
-          <p:cNvPr id="3074" name="Picture 2">
-            <a:extLst>
-              <a:ext uri="{FF2B5EF4-FFF2-40B4-BE49-F238E27FC236}">
-                <a16:creationId xmlns:a16="http://schemas.microsoft.com/office/drawing/2014/main" id="{6DC6FB5D-965C-4FF1-B437-5D3C6610F3B4}"/>
-              </a:ext>
-            </a:extLst>
-          </p:cNvPr>
-          <p:cNvPicPr>
-            <a:picLocks noChangeAspect="1" noChangeArrowheads="1"/>
-          </p:cNvPicPr>
-          <p:nvPr/>
-        </p:nvPicPr>
-        <p:blipFill>
-          <a:blip r:embed="rId2">
-            <a:extLst>
-              <a:ext uri="{28A0092B-C50C-407E-A947-70E740481C1C}">
-                <a14:useLocalDpi xmlns:a14="http://schemas.microsoft.com/office/drawing/2010/main" val="0"/>
-              </a:ext>
-            </a:extLst>
-          </a:blip>
-          <a:srcRect/>
-          <a:stretch>
-            <a:fillRect/>
-          </a:stretch>
-        </p:blipFill>
-        <p:spPr bwMode="auto">
-          <a:xfrm>
-            <a:off x="233680" y="1225689"/>
-            <a:ext cx="4074160" cy="4967616"/>
-          </a:xfrm>
-          <a:prstGeom prst="rect">
-            <a:avLst/>
-          </a:prstGeom>
-          <a:noFill/>
-          <a:extLst>
-            <a:ext uri="{909E8E84-426E-40DD-AFC4-6F175D3DCCD1}">
-              <a14:hiddenFill xmlns:a14="http://schemas.microsoft.com/office/drawing/2010/main">
-                <a:solidFill>
-                  <a:srgbClr val="FFFFFF"/>
-                </a:solidFill>
-              </a14:hiddenFill>
-            </a:ext>
-          </a:extLst>
-        </p:spPr>
-      </p:pic>
       <p:sp>
         <p:nvSpPr>
           <p:cNvPr id="5" name="Rectangle 4">
@@ -4066,8 +4569,8 @@
         </p:nvSpPr>
         <p:spPr>
           <a:xfrm>
-            <a:off x="5491480" y="1325563"/>
-            <a:ext cx="7081520" cy="5509200"/>
+            <a:off x="914400" y="1325563"/>
+            <a:ext cx="10734675" cy="5016758"/>
           </a:xfrm>
           <a:prstGeom prst="rect">
             <a:avLst/>
@@ -4081,121 +4584,128 @@
           <a:p>
             <a:r>
               <a:rPr lang="en-US" sz="1600" b="1" i="1" dirty="0"/>
-              <a:t>Param: C=1</a:t>
-            </a:r>
-          </a:p>
-          <a:p>
-            <a:r>
-              <a:rPr lang="en-US" sz="1600" dirty="0"/>
+              <a:t>Param: C=100</a:t>
+            </a:r>
+          </a:p>
+          <a:p>
+            <a:r>
+              <a:rPr lang="en-US" sz="1600" i="1" dirty="0"/>
               <a:t>Coefficients Train</a:t>
             </a:r>
           </a:p>
           <a:p>
             <a:r>
-              <a:rPr lang="en-US" sz="1600" dirty="0"/>
-              <a:t>[[-0.00295489 -0.0032741   0.08611231  0.01310302]]</a:t>
-            </a:r>
-          </a:p>
-          <a:p>
-            <a:r>
-              <a:rPr lang="en-US" sz="1600" dirty="0"/>
-              <a:t>[-4.62028832]</a:t>
-            </a:r>
-          </a:p>
-          <a:p>
-            <a:r>
-              <a:rPr lang="en-US" sz="1600" dirty="0"/>
+              <a:rPr lang="en-US" sz="1600" i="1" dirty="0"/>
+              <a:t>[[ 0.10021598  </a:t>
+            </a:r>
+            <a:r>
+              <a:rPr lang="en-US" sz="1600" b="1" i="1" dirty="0"/>
+              <a:t>0.25542059</a:t>
+            </a:r>
+            <a:r>
+              <a:rPr lang="en-US" sz="1600" i="1" dirty="0"/>
+              <a:t> -3.01614361]]</a:t>
+            </a:r>
+          </a:p>
+          <a:p>
+            <a:r>
+              <a:rPr lang="en-US" sz="1600" i="1" dirty="0"/>
+              <a:t>[-14.53006186]</a:t>
+            </a:r>
+          </a:p>
+          <a:p>
+            <a:r>
+              <a:rPr lang="en-US" sz="1600" i="1" dirty="0"/>
               <a:t>Coefficients Test</a:t>
             </a:r>
           </a:p>
           <a:p>
             <a:r>
-              <a:rPr lang="en-US" sz="1600" dirty="0"/>
-              <a:t>[[ 0.05237088 -0.02383646  0.03673225 -0.03723642]]</a:t>
-            </a:r>
-          </a:p>
-          <a:p>
-            <a:r>
-              <a:rPr lang="en-US" sz="1600" dirty="0"/>
-              <a:t>[-7.89356387]</a:t>
-            </a:r>
-          </a:p>
-          <a:p>
-            <a:endParaRPr lang="en-US" sz="1600" dirty="0"/>
-          </a:p>
-          <a:p>
-            <a:r>
-              <a:rPr lang="en-US" sz="1600" dirty="0"/>
+              <a:rPr lang="en-US" sz="1600" i="1" dirty="0"/>
+              <a:t>[[ 0.15628008  </a:t>
+            </a:r>
+            <a:r>
+              <a:rPr lang="en-US" sz="1600" b="1" i="1" dirty="0"/>
+              <a:t>0.26641391</a:t>
+            </a:r>
+            <a:r>
+              <a:rPr lang="en-US" sz="1600" i="1" dirty="0"/>
+              <a:t> -2.34340151]]</a:t>
+            </a:r>
+          </a:p>
+          <a:p>
+            <a:r>
+              <a:rPr lang="en-US" sz="1600" i="1" dirty="0"/>
+              <a:t>[-18.32621031]</a:t>
+            </a:r>
+          </a:p>
+          <a:p>
+            <a:endParaRPr lang="en-US" sz="1600" i="1" dirty="0"/>
+          </a:p>
+          <a:p>
+            <a:r>
+              <a:rPr lang="en-US" sz="1600" i="1" dirty="0"/>
               <a:t> Accuracy of PASS status</a:t>
             </a:r>
           </a:p>
           <a:p>
             <a:r>
-              <a:rPr lang="en-US" sz="1600" dirty="0"/>
+              <a:rPr lang="en-US" sz="1600" i="1" dirty="0"/>
               <a:t>RESULTBINARY   0   1</a:t>
             </a:r>
           </a:p>
           <a:p>
             <a:r>
-              <a:rPr lang="en-US" sz="1600" dirty="0"/>
+              <a:rPr lang="en-US" sz="1600" i="1" dirty="0"/>
               <a:t>row_0               </a:t>
             </a:r>
           </a:p>
           <a:p>
             <a:r>
-              <a:rPr lang="en-US" sz="1600" dirty="0"/>
-              <a:t>0             62   0</a:t>
-            </a:r>
-          </a:p>
-          <a:p>
-            <a:r>
-              <a:rPr lang="en-US" sz="1600" dirty="0"/>
-              <a:t>1              5  69</a:t>
-            </a:r>
-          </a:p>
-          <a:p>
-            <a:endParaRPr lang="en-US" sz="1600" dirty="0"/>
-          </a:p>
-          <a:p>
-            <a:r>
-              <a:rPr lang="en-US" sz="1600" dirty="0"/>
+              <a:rPr lang="en-US" sz="1600" i="1" dirty="0"/>
+              <a:t>0             62   1</a:t>
+            </a:r>
+          </a:p>
+          <a:p>
+            <a:r>
+              <a:rPr lang="en-US" sz="1600" i="1" dirty="0"/>
+              <a:t>1              4  69</a:t>
+            </a:r>
+          </a:p>
+          <a:p>
+            <a:endParaRPr lang="en-US" sz="1600" i="1" dirty="0"/>
+          </a:p>
+          <a:p>
+            <a:r>
+              <a:rPr lang="en-US" sz="1600" i="1" dirty="0"/>
               <a:t> Percentage accuracy</a:t>
             </a:r>
           </a:p>
           <a:p>
             <a:r>
-              <a:rPr lang="en-US" sz="1600" dirty="0"/>
-              <a:t>0.9446494464944649</a:t>
-            </a:r>
-          </a:p>
-          <a:p>
-            <a:endParaRPr lang="en-US" sz="1600" dirty="0"/>
-          </a:p>
-          <a:p>
-            <a:r>
-              <a:rPr lang="en-US" sz="1600" dirty="0"/>
+              <a:rPr lang="en-US" sz="1600" i="1" dirty="0"/>
+              <a:t>0.9520295202952029</a:t>
+            </a:r>
+          </a:p>
+          <a:p>
+            <a:endParaRPr lang="en-US" sz="1600" i="1" dirty="0"/>
+          </a:p>
+          <a:p>
+            <a:r>
+              <a:rPr lang="en-US" sz="1600" i="1" dirty="0"/>
               <a:t> Percentage accuracy</a:t>
             </a:r>
           </a:p>
           <a:p>
             <a:r>
-              <a:rPr lang="en-US" sz="1600" dirty="0"/>
+              <a:rPr lang="en-US" sz="1600" i="1" dirty="0"/>
               <a:t>0.9632352941176471</a:t>
             </a:r>
           </a:p>
           <a:p>
-            <a:endParaRPr lang="en-US" sz="1600" dirty="0"/>
-          </a:p>
-          <a:p>
-            <a:r>
-              <a:rPr lang="en-US" sz="1600" dirty="0"/>
-              <a:t> CV</a:t>
-            </a:r>
-          </a:p>
-          <a:p>
-            <a:r>
-              <a:rPr lang="en-US" sz="1600" dirty="0"/>
-              <a:t>array([0.92857143, 1.        , 0.88888889, 0.88888889, 0.96153846])</a:t>
+            <a:r>
+              <a:rPr lang="en-US" sz="1600" i="1" dirty="0"/>
+              <a:t>array([1.        , 1.        , 1.        , 0.92592593, 0.92592593])</a:t>
             </a:r>
           </a:p>
         </p:txBody>
@@ -4229,7 +4739,7 @@
             <a:pPr algn="ctr"/>
             <a:r>
               <a:rPr lang="en-US" dirty="0"/>
-              <a:t>Significant Variables and Estimated Coefficients</a:t>
+              <a:t>Logistics Regression Estimated Coefficients</a:t>
             </a:r>
           </a:p>
         </p:txBody>
@@ -4269,7 +4779,7 @@
           <p:cNvPr id="2" name="Title 1">
             <a:extLst>
               <a:ext uri="{FF2B5EF4-FFF2-40B4-BE49-F238E27FC236}">
-                <a16:creationId xmlns:a16="http://schemas.microsoft.com/office/drawing/2014/main" id="{00528A2D-5118-474D-B8EE-BB4A616557E2}"/>
+                <a16:creationId xmlns:a16="http://schemas.microsoft.com/office/drawing/2014/main" id="{FECDBA86-05FB-4CB8-8848-225C4D38A2D0}"/>
               </a:ext>
             </a:extLst>
           </p:cNvPr>
@@ -4288,7 +4798,7 @@
             <a:pPr algn="ctr"/>
             <a:r>
               <a:rPr lang="en-US" dirty="0"/>
-              <a:t>Models which were not optimal</a:t>
+              <a:t>Lasso Regression</a:t>
             </a:r>
           </a:p>
         </p:txBody>
@@ -4298,7 +4808,7 @@
           <p:cNvPr id="3" name="Content Placeholder 2">
             <a:extLst>
               <a:ext uri="{FF2B5EF4-FFF2-40B4-BE49-F238E27FC236}">
-                <a16:creationId xmlns:a16="http://schemas.microsoft.com/office/drawing/2014/main" id="{882A83A7-A089-4801-9A47-3377348C4F41}"/>
+                <a16:creationId xmlns:a16="http://schemas.microsoft.com/office/drawing/2014/main" id="{F82C995C-8394-47E1-AF90-25571796B0E5}"/>
               </a:ext>
             </a:extLst>
           </p:cNvPr>
@@ -4309,68 +4819,116 @@
             <p:ph idx="1"/>
           </p:nvPr>
         </p:nvSpPr>
-        <p:spPr>
-          <a:xfrm>
-            <a:off x="838200" y="1825625"/>
-            <a:ext cx="10515600" cy="4900295"/>
-          </a:xfrm>
-        </p:spPr>
+        <p:spPr/>
         <p:txBody>
           <a:bodyPr>
-            <a:normAutofit/>
+            <a:normAutofit fontScale="85000" lnSpcReduction="20000"/>
           </a:bodyPr>
           <a:lstStyle/>
           <a:p>
+            <a:pPr marL="0" indent="0">
+              <a:buNone/>
+            </a:pPr>
             <a:r>
               <a:rPr lang="en-US" dirty="0"/>
-              <a:t>Linear Regression</a:t>
-            </a:r>
-          </a:p>
-          <a:p>
-            <a:pPr lvl="1"/>
+              <a:t>R² for the model with training model:</a:t>
+            </a:r>
+          </a:p>
+          <a:p>
+            <a:pPr marL="0" indent="0">
+              <a:buNone/>
+            </a:pPr>
             <a:r>
               <a:rPr lang="en-US" dirty="0"/>
-              <a:t>Dependent variable is categorical</a:t>
-            </a:r>
-          </a:p>
-          <a:p>
-            <a:pPr lvl="1"/>
+              <a:t>0.5569889792612555</a:t>
+            </a:r>
+          </a:p>
+          <a:p>
+            <a:pPr marL="0" indent="0">
+              <a:buNone/>
+            </a:pPr>
+            <a:endParaRPr lang="en-US" dirty="0"/>
+          </a:p>
+          <a:p>
+            <a:pPr marL="0" indent="0">
+              <a:buNone/>
+            </a:pPr>
             <a:r>
               <a:rPr lang="en-US" dirty="0"/>
-              <a:t>Lack of Linear Relationship</a:t>
-            </a:r>
-          </a:p>
-          <a:p>
+              <a:t>Parameter estimates for the model with few features:</a:t>
+            </a:r>
+          </a:p>
+          <a:p>
+            <a:pPr marL="0" indent="0">
+              <a:buNone/>
+            </a:pPr>
             <a:r>
               <a:rPr lang="en-US" dirty="0"/>
-              <a:t>Decision Tree</a:t>
-            </a:r>
-          </a:p>
-          <a:p>
-            <a:pPr lvl="1"/>
+              <a:t>[ 0.00746823  </a:t>
+            </a:r>
+            <a:r>
+              <a:rPr lang="en-US" b="1" dirty="0"/>
+              <a:t>0.01078327</a:t>
+            </a:r>
             <a:r>
               <a:rPr lang="en-US" dirty="0"/>
-              <a:t>High R^2: .988</a:t>
-            </a:r>
-          </a:p>
-          <a:p>
+              <a:t> -0.         -0.28125652]</a:t>
+            </a:r>
+          </a:p>
+          <a:p>
+            <a:pPr marL="0" indent="0">
+              <a:buNone/>
+            </a:pPr>
+            <a:endParaRPr lang="en-US" dirty="0"/>
+          </a:p>
+          <a:p>
+            <a:pPr marL="0" indent="0">
+              <a:buNone/>
+            </a:pPr>
             <a:r>
               <a:rPr lang="en-US" dirty="0"/>
-              <a:t>Random Forest</a:t>
-            </a:r>
-          </a:p>
-          <a:p>
-            <a:pPr lvl="1"/>
+              <a:t>R² for the test model:</a:t>
+            </a:r>
+          </a:p>
+          <a:p>
+            <a:pPr marL="0" indent="0">
+              <a:buNone/>
+            </a:pPr>
             <a:r>
               <a:rPr lang="en-US" dirty="0"/>
-              <a:t>Did not reduce R^2</a:t>
-            </a:r>
-          </a:p>
-          <a:p>
-            <a:pPr lvl="1"/>
+              <a:t>0.6011184842157854</a:t>
+            </a:r>
+          </a:p>
+          <a:p>
+            <a:pPr marL="0" indent="0">
+              <a:buNone/>
+            </a:pPr>
+            <a:endParaRPr lang="en-US" dirty="0"/>
+          </a:p>
+          <a:p>
+            <a:pPr marL="0" indent="0">
+              <a:buNone/>
+            </a:pPr>
             <a:r>
               <a:rPr lang="en-US" dirty="0"/>
-              <a:t>High R^2: .963</a:t>
+              <a:t>Parameter estimates for the model with many features:</a:t>
+            </a:r>
+          </a:p>
+          <a:p>
+            <a:pPr marL="0" indent="0">
+              <a:buNone/>
+            </a:pPr>
+            <a:r>
+              <a:rPr lang="en-US" dirty="0"/>
+              <a:t>[ 0.00422301  </a:t>
+            </a:r>
+            <a:r>
+              <a:rPr lang="en-US" b="1" dirty="0"/>
+              <a:t>0.01332148</a:t>
+            </a:r>
+            <a:r>
+              <a:rPr lang="en-US" dirty="0"/>
+              <a:t> -0.         -0.25294152]</a:t>
             </a:r>
           </a:p>
         </p:txBody>
@@ -4378,7 +4936,7 @@
     </p:spTree>
     <p:extLst>
       <p:ext uri="{BB962C8B-B14F-4D97-AF65-F5344CB8AC3E}">
-        <p14:creationId xmlns:p14="http://schemas.microsoft.com/office/powerpoint/2010/main" val="1553006732"/>
+        <p14:creationId xmlns:p14="http://schemas.microsoft.com/office/powerpoint/2010/main" val="3695508004"/>
       </p:ext>
     </p:extLst>
   </p:cSld>
@@ -4410,7 +4968,7 @@
           <p:cNvPr id="2" name="Title 1">
             <a:extLst>
               <a:ext uri="{FF2B5EF4-FFF2-40B4-BE49-F238E27FC236}">
-                <a16:creationId xmlns:a16="http://schemas.microsoft.com/office/drawing/2014/main" id="{980A6095-DB92-44B5-A633-745425C8C283}"/>
+                <a16:creationId xmlns:a16="http://schemas.microsoft.com/office/drawing/2014/main" id="{00528A2D-5118-474D-B8EE-BB4A616557E2}"/>
               </a:ext>
             </a:extLst>
           </p:cNvPr>
@@ -4429,7 +4987,7 @@
             <a:pPr algn="ctr"/>
             <a:r>
               <a:rPr lang="en-US" dirty="0"/>
-              <a:t>Limitations</a:t>
+              <a:t>Models which were not optimal</a:t>
             </a:r>
           </a:p>
         </p:txBody>
@@ -4439,7 +4997,7 @@
           <p:cNvPr id="3" name="Content Placeholder 2">
             <a:extLst>
               <a:ext uri="{FF2B5EF4-FFF2-40B4-BE49-F238E27FC236}">
-                <a16:creationId xmlns:a16="http://schemas.microsoft.com/office/drawing/2014/main" id="{926C8E19-F831-4326-BF31-409F6F8E2B17}"/>
+                <a16:creationId xmlns:a16="http://schemas.microsoft.com/office/drawing/2014/main" id="{882A83A7-A089-4801-9A47-3377348C4F41}"/>
               </a:ext>
             </a:extLst>
           </p:cNvPr>
@@ -4450,41 +5008,68 @@
             <p:ph idx="1"/>
           </p:nvPr>
         </p:nvSpPr>
-        <p:spPr/>
-        <p:txBody>
-          <a:bodyPr/>
+        <p:spPr>
+          <a:xfrm>
+            <a:off x="838200" y="1825625"/>
+            <a:ext cx="10515600" cy="4900295"/>
+          </a:xfrm>
+        </p:spPr>
+        <p:txBody>
+          <a:bodyPr>
+            <a:normAutofit/>
+          </a:bodyPr>
           <a:lstStyle/>
           <a:p>
             <a:r>
               <a:rPr lang="en-US" dirty="0"/>
-              <a:t>Lack of data for costs of Soldiers who are on profile</a:t>
+              <a:t>Linear Regression</a:t>
             </a:r>
           </a:p>
           <a:p>
             <a:pPr lvl="1"/>
             <a:r>
               <a:rPr lang="en-US" dirty="0"/>
-              <a:t>The dependent variable was converted to binary</a:t>
-            </a:r>
-          </a:p>
-          <a:p>
+              <a:t>Dependent variable is categorical</a:t>
+            </a:r>
+          </a:p>
+          <a:p>
+            <a:pPr lvl="1"/>
             <a:r>
               <a:rPr lang="en-US" dirty="0"/>
-              <a:t>Not enough female Soldiers to accurately make a determination</a:t>
+              <a:t>Lack of Linear Relationship</a:t>
+            </a:r>
+          </a:p>
+          <a:p>
+            <a:r>
+              <a:rPr lang="en-US" dirty="0"/>
+              <a:t>Decision Tree</a:t>
             </a:r>
           </a:p>
           <a:p>
             <a:pPr lvl="1"/>
             <a:r>
               <a:rPr lang="en-US" dirty="0"/>
-              <a:t>Due to the class imbalance between Pass and Fail(to include Profile) down sampling was utilized.</a:t>
+              <a:t>High R^2: .988</a:t>
+            </a:r>
+          </a:p>
+          <a:p>
+            <a:r>
+              <a:rPr lang="en-US" dirty="0"/>
+              <a:t>Random Forest</a:t>
             </a:r>
           </a:p>
           <a:p>
             <a:pPr lvl="1"/>
             <a:r>
               <a:rPr lang="en-US" dirty="0"/>
-              <a:t>Down sampling gender would not have been accurate due to the lack in size of the female populations</a:t>
+              <a:t>Did not reduce R^2</a:t>
+            </a:r>
+          </a:p>
+          <a:p>
+            <a:pPr lvl="1"/>
+            <a:r>
+              <a:rPr lang="en-US" dirty="0"/>
+              <a:t>High R^2: .963</a:t>
             </a:r>
           </a:p>
         </p:txBody>
@@ -4492,7 +5077,7 @@
     </p:spTree>
     <p:extLst>
       <p:ext uri="{BB962C8B-B14F-4D97-AF65-F5344CB8AC3E}">
-        <p14:creationId xmlns:p14="http://schemas.microsoft.com/office/powerpoint/2010/main" val="1611115657"/>
+        <p14:creationId xmlns:p14="http://schemas.microsoft.com/office/powerpoint/2010/main" val="1553006732"/>
       </p:ext>
     </p:extLst>
   </p:cSld>
@@ -4524,7 +5109,7 @@
           <p:cNvPr id="2" name="Title 1">
             <a:extLst>
               <a:ext uri="{FF2B5EF4-FFF2-40B4-BE49-F238E27FC236}">
-                <a16:creationId xmlns:a16="http://schemas.microsoft.com/office/drawing/2014/main" id="{AF77A6D6-C7CC-4F87-8EC7-B64151A81998}"/>
+                <a16:creationId xmlns:a16="http://schemas.microsoft.com/office/drawing/2014/main" id="{EE89C6F9-9225-4CB4-BAFC-7A8E2819FE86}"/>
               </a:ext>
             </a:extLst>
           </p:cNvPr>
@@ -4543,54 +5128,226 @@
             <a:pPr algn="ctr"/>
             <a:r>
               <a:rPr lang="en-US" dirty="0"/>
-              <a:t>Recommendations</a:t>
-            </a:r>
-          </a:p>
-        </p:txBody>
-      </p:sp>
-      <p:sp>
-        <p:nvSpPr>
-          <p:cNvPr id="3" name="Content Placeholder 2">
-            <a:extLst>
-              <a:ext uri="{FF2B5EF4-FFF2-40B4-BE49-F238E27FC236}">
-                <a16:creationId xmlns:a16="http://schemas.microsoft.com/office/drawing/2014/main" id="{C914E36B-29F3-4FB4-A77F-F4076A53CFCC}"/>
-              </a:ext>
-            </a:extLst>
-          </p:cNvPr>
-          <p:cNvSpPr>
-            <a:spLocks noGrp="1"/>
-          </p:cNvSpPr>
-          <p:nvPr>
-            <p:ph idx="1"/>
-          </p:nvPr>
-        </p:nvSpPr>
-        <p:spPr/>
-        <p:txBody>
-          <a:bodyPr/>
-          <a:lstStyle/>
-          <a:p>
-            <a:r>
-              <a:rPr lang="en-US" dirty="0"/>
-              <a:t>Failures of the initial APFT should be put into a separate Basic Training Company.</a:t>
-            </a:r>
-          </a:p>
-          <a:p>
-            <a:r>
-              <a:rPr lang="en-US" dirty="0"/>
-              <a:t>Failures should work more on their Sit-ups to prevent injury as well as improve their overall </a:t>
-            </a:r>
-            <a:r>
-              <a:rPr lang="en-US"/>
-              <a:t>score.</a:t>
-            </a:r>
-            <a:endParaRPr lang="en-US" dirty="0"/>
-          </a:p>
-        </p:txBody>
-      </p:sp>
+              <a:t>Variable of Importance</a:t>
+            </a:r>
+          </a:p>
+        </p:txBody>
+      </p:sp>
+      <p:pic>
+        <p:nvPicPr>
+          <p:cNvPr id="4" name="Picture 3">
+            <a:extLst>
+              <a:ext uri="{FF2B5EF4-FFF2-40B4-BE49-F238E27FC236}">
+                <a16:creationId xmlns:a16="http://schemas.microsoft.com/office/drawing/2014/main" id="{E114E03F-C40A-41DF-9B8D-9FA7365FA4CB}"/>
+              </a:ext>
+            </a:extLst>
+          </p:cNvPr>
+          <p:cNvPicPr>
+            <a:picLocks noChangeAspect="1"/>
+          </p:cNvPicPr>
+          <p:nvPr/>
+        </p:nvPicPr>
+        <p:blipFill>
+          <a:blip r:embed="rId2"/>
+          <a:stretch>
+            <a:fillRect/>
+          </a:stretch>
+        </p:blipFill>
+        <p:spPr>
+          <a:xfrm>
+            <a:off x="1079196" y="1524204"/>
+            <a:ext cx="4078577" cy="4968671"/>
+          </a:xfrm>
+          <a:prstGeom prst="rect">
+            <a:avLst/>
+          </a:prstGeom>
+        </p:spPr>
+      </p:pic>
+      <p:pic>
+        <p:nvPicPr>
+          <p:cNvPr id="2051" name="Picture 3">
+            <a:extLst>
+              <a:ext uri="{FF2B5EF4-FFF2-40B4-BE49-F238E27FC236}">
+                <a16:creationId xmlns:a16="http://schemas.microsoft.com/office/drawing/2014/main" id="{2AC4A58B-1BB2-4DA8-A716-D6882D86A119}"/>
+              </a:ext>
+            </a:extLst>
+          </p:cNvPr>
+          <p:cNvPicPr>
+            <a:picLocks noChangeAspect="1" noChangeArrowheads="1"/>
+          </p:cNvPicPr>
+          <p:nvPr/>
+        </p:nvPicPr>
+        <p:blipFill>
+          <a:blip r:embed="rId3">
+            <a:extLst>
+              <a:ext uri="{28A0092B-C50C-407E-A947-70E740481C1C}">
+                <a14:useLocalDpi xmlns:a14="http://schemas.microsoft.com/office/drawing/2010/main" val="0"/>
+              </a:ext>
+            </a:extLst>
+          </a:blip>
+          <a:srcRect/>
+          <a:stretch>
+            <a:fillRect/>
+          </a:stretch>
+        </p:blipFill>
+        <p:spPr bwMode="auto">
+          <a:xfrm>
+            <a:off x="6145046" y="1524204"/>
+            <a:ext cx="4221480" cy="5036787"/>
+          </a:xfrm>
+          <a:prstGeom prst="rect">
+            <a:avLst/>
+          </a:prstGeom>
+          <a:noFill/>
+          <a:extLst>
+            <a:ext uri="{909E8E84-426E-40DD-AFC4-6F175D3DCCD1}">
+              <a14:hiddenFill xmlns:a14="http://schemas.microsoft.com/office/drawing/2010/main">
+                <a:solidFill>
+                  <a:srgbClr val="FFFFFF"/>
+                </a:solidFill>
+              </a14:hiddenFill>
+            </a:ext>
+          </a:extLst>
+        </p:spPr>
+      </p:pic>
     </p:spTree>
     <p:extLst>
       <p:ext uri="{BB962C8B-B14F-4D97-AF65-F5344CB8AC3E}">
-        <p14:creationId xmlns:p14="http://schemas.microsoft.com/office/powerpoint/2010/main" val="672735954"/>
+        <p14:creationId xmlns:p14="http://schemas.microsoft.com/office/powerpoint/2010/main" val="2980412333"/>
+      </p:ext>
+    </p:extLst>
+  </p:cSld>
+  <p:clrMapOvr>
+    <a:masterClrMapping/>
+  </p:clrMapOvr>
+</p:sld>
+</file>
+
+<file path=ppt/slides/slide9.xml><?xml version="1.0" encoding="utf-8"?>
+<p:sld xmlns:a="http://schemas.openxmlformats.org/drawingml/2006/main" xmlns:r="http://schemas.openxmlformats.org/officeDocument/2006/relationships" xmlns:p="http://schemas.openxmlformats.org/presentationml/2006/main">
+  <p:cSld>
+    <p:spTree>
+      <p:nvGrpSpPr>
+        <p:cNvPr id="1" name=""/>
+        <p:cNvGrpSpPr/>
+        <p:nvPr/>
+      </p:nvGrpSpPr>
+      <p:grpSpPr>
+        <a:xfrm>
+          <a:off x="0" y="0"/>
+          <a:ext cx="0" cy="0"/>
+          <a:chOff x="0" y="0"/>
+          <a:chExt cx="0" cy="0"/>
+        </a:xfrm>
+      </p:grpSpPr>
+      <p:sp>
+        <p:nvSpPr>
+          <p:cNvPr id="2" name="Title 1">
+            <a:extLst>
+              <a:ext uri="{FF2B5EF4-FFF2-40B4-BE49-F238E27FC236}">
+                <a16:creationId xmlns:a16="http://schemas.microsoft.com/office/drawing/2014/main" id="{980A6095-DB92-44B5-A633-745425C8C283}"/>
+              </a:ext>
+            </a:extLst>
+          </p:cNvPr>
+          <p:cNvSpPr>
+            <a:spLocks noGrp="1"/>
+          </p:cNvSpPr>
+          <p:nvPr>
+            <p:ph type="title"/>
+          </p:nvPr>
+        </p:nvSpPr>
+        <p:spPr/>
+        <p:txBody>
+          <a:bodyPr/>
+          <a:lstStyle/>
+          <a:p>
+            <a:pPr algn="ctr"/>
+            <a:r>
+              <a:rPr lang="en-US" dirty="0"/>
+              <a:t>Limitations</a:t>
+            </a:r>
+          </a:p>
+        </p:txBody>
+      </p:sp>
+      <p:sp>
+        <p:nvSpPr>
+          <p:cNvPr id="3" name="Content Placeholder 2">
+            <a:extLst>
+              <a:ext uri="{FF2B5EF4-FFF2-40B4-BE49-F238E27FC236}">
+                <a16:creationId xmlns:a16="http://schemas.microsoft.com/office/drawing/2014/main" id="{926C8E19-F831-4326-BF31-409F6F8E2B17}"/>
+              </a:ext>
+            </a:extLst>
+          </p:cNvPr>
+          <p:cNvSpPr>
+            <a:spLocks noGrp="1"/>
+          </p:cNvSpPr>
+          <p:nvPr>
+            <p:ph idx="1"/>
+          </p:nvPr>
+        </p:nvSpPr>
+        <p:spPr/>
+        <p:txBody>
+          <a:bodyPr/>
+          <a:lstStyle/>
+          <a:p>
+            <a:r>
+              <a:rPr lang="en-US" dirty="0"/>
+              <a:t>Lack of data for costs of Soldiers who are on profile</a:t>
+            </a:r>
+          </a:p>
+          <a:p>
+            <a:pPr lvl="1"/>
+            <a:r>
+              <a:rPr lang="en-US" dirty="0"/>
+              <a:t>The dependent variable was converted to binary</a:t>
+            </a:r>
+          </a:p>
+          <a:p>
+            <a:r>
+              <a:rPr lang="en-US" dirty="0"/>
+              <a:t>Not enough female Soldiers to accurately make a determination</a:t>
+            </a:r>
+          </a:p>
+          <a:p>
+            <a:pPr lvl="1"/>
+            <a:r>
+              <a:rPr lang="en-US" dirty="0"/>
+              <a:t>Due to the class imbalance between Pass and Fail(to include Profile) down sampling was utilized.</a:t>
+            </a:r>
+          </a:p>
+          <a:p>
+            <a:pPr lvl="1"/>
+            <a:r>
+              <a:rPr lang="en-US" dirty="0"/>
+              <a:t>Down sampling gender would not have been accurate due to the lack in size of the female populations</a:t>
+            </a:r>
+          </a:p>
+          <a:p>
+            <a:r>
+              <a:rPr lang="en-US" dirty="0"/>
+              <a:t>There are limitations to utilizing real data sets</a:t>
+            </a:r>
+          </a:p>
+          <a:p>
+            <a:pPr lvl="1"/>
+            <a:r>
+              <a:rPr lang="en-US" dirty="0"/>
+              <a:t>Cleaning data is difficult</a:t>
+            </a:r>
+          </a:p>
+          <a:p>
+            <a:pPr lvl="1"/>
+            <a:r>
+              <a:rPr lang="en-US" dirty="0"/>
+              <a:t>Attempting to extract insights that may not exist</a:t>
+            </a:r>
+          </a:p>
+        </p:txBody>
+      </p:sp>
+    </p:spTree>
+    <p:extLst>
+      <p:ext uri="{BB962C8B-B14F-4D97-AF65-F5344CB8AC3E}">
+        <p14:creationId xmlns:p14="http://schemas.microsoft.com/office/powerpoint/2010/main" val="1611115657"/>
       </p:ext>
     </p:extLst>
   </p:cSld>
@@ -4893,4 +5650,299 @@
     </a:ext>
   </a:extLst>
 </a:theme>
+</file>
+
+<file path=ppt/theme/theme2.xml><?xml version="1.0" encoding="utf-8"?>
+<a:theme xmlns:a="http://schemas.openxmlformats.org/drawingml/2006/main" name="Office Theme">
+  <a:themeElements>
+    <a:clrScheme name="Office">
+      <a:dk1>
+        <a:sysClr val="windowText" lastClr="000000"/>
+      </a:dk1>
+      <a:lt1>
+        <a:sysClr val="window" lastClr="FFFFFF"/>
+      </a:lt1>
+      <a:dk2>
+        <a:srgbClr val="44546A"/>
+      </a:dk2>
+      <a:lt2>
+        <a:srgbClr val="E7E6E6"/>
+      </a:lt2>
+      <a:accent1>
+        <a:srgbClr val="4472C4"/>
+      </a:accent1>
+      <a:accent2>
+        <a:srgbClr val="ED7D31"/>
+      </a:accent2>
+      <a:accent3>
+        <a:srgbClr val="A5A5A5"/>
+      </a:accent3>
+      <a:accent4>
+        <a:srgbClr val="FFC000"/>
+      </a:accent4>
+      <a:accent5>
+        <a:srgbClr val="5B9BD5"/>
+      </a:accent5>
+      <a:accent6>
+        <a:srgbClr val="70AD47"/>
+      </a:accent6>
+      <a:hlink>
+        <a:srgbClr val="0563C1"/>
+      </a:hlink>
+      <a:folHlink>
+        <a:srgbClr val="954F72"/>
+      </a:folHlink>
+    </a:clrScheme>
+    <a:fontScheme name="Office">
+      <a:majorFont>
+        <a:latin typeface="Calibri Light" panose="020F0302020204030204"/>
+        <a:ea typeface=""/>
+        <a:cs typeface=""/>
+        <a:font script="Jpan" typeface="游ゴシック Light"/>
+        <a:font script="Hang" typeface="맑은 고딕"/>
+        <a:font script="Hans" typeface="等线 Light"/>
+        <a:font script="Hant" typeface="新細明體"/>
+        <a:font script="Arab" typeface="Times New Roman"/>
+        <a:font script="Hebr" typeface="Times New Roman"/>
+        <a:font script="Thai" typeface="Angsana New"/>
+        <a:font script="Ethi" typeface="Nyala"/>
+        <a:font script="Beng" typeface="Vrinda"/>
+        <a:font script="Gujr" typeface="Shruti"/>
+        <a:font script="Khmr" typeface="MoolBoran"/>
+        <a:font script="Knda" typeface="Tunga"/>
+        <a:font script="Guru" typeface="Raavi"/>
+        <a:font script="Cans" typeface="Euphemia"/>
+        <a:font script="Cher" typeface="Plantagenet Cherokee"/>
+        <a:font script="Yiii" typeface="Microsoft Yi Baiti"/>
+        <a:font script="Tibt" typeface="Microsoft Himalaya"/>
+        <a:font script="Thaa" typeface="MV Boli"/>
+        <a:font script="Deva" typeface="Mangal"/>
+        <a:font script="Telu" typeface="Gautami"/>
+        <a:font script="Taml" typeface="Latha"/>
+        <a:font script="Syrc" typeface="Estrangelo Edessa"/>
+        <a:font script="Orya" typeface="Kalinga"/>
+        <a:font script="Mlym" typeface="Kartika"/>
+        <a:font script="Laoo" typeface="DokChampa"/>
+        <a:font script="Sinh" typeface="Iskoola Pota"/>
+        <a:font script="Mong" typeface="Mongolian Baiti"/>
+        <a:font script="Viet" typeface="Times New Roman"/>
+        <a:font script="Uigh" typeface="Microsoft Uighur"/>
+        <a:font script="Geor" typeface="Sylfaen"/>
+        <a:font script="Armn" typeface="Arial"/>
+        <a:font script="Bugi" typeface="Leelawadee UI"/>
+        <a:font script="Bopo" typeface="Microsoft JhengHei"/>
+        <a:font script="Java" typeface="Javanese Text"/>
+        <a:font script="Lisu" typeface="Segoe UI"/>
+        <a:font script="Mymr" typeface="Myanmar Text"/>
+        <a:font script="Nkoo" typeface="Ebrima"/>
+        <a:font script="Olck" typeface="Nirmala UI"/>
+        <a:font script="Osma" typeface="Ebrima"/>
+        <a:font script="Phag" typeface="Phagspa"/>
+        <a:font script="Syrn" typeface="Estrangelo Edessa"/>
+        <a:font script="Syrj" typeface="Estrangelo Edessa"/>
+        <a:font script="Syre" typeface="Estrangelo Edessa"/>
+        <a:font script="Sora" typeface="Nirmala UI"/>
+        <a:font script="Tale" typeface="Microsoft Tai Le"/>
+        <a:font script="Talu" typeface="Microsoft New Tai Lue"/>
+        <a:font script="Tfng" typeface="Ebrima"/>
+      </a:majorFont>
+      <a:minorFont>
+        <a:latin typeface="Calibri" panose="020F0502020204030204"/>
+        <a:ea typeface=""/>
+        <a:cs typeface=""/>
+        <a:font script="Jpan" typeface="游ゴシック"/>
+        <a:font script="Hang" typeface="맑은 고딕"/>
+        <a:font script="Hans" typeface="等线"/>
+        <a:font script="Hant" typeface="新細明體"/>
+        <a:font script="Arab" typeface="Arial"/>
+        <a:font script="Hebr" typeface="Arial"/>
+        <a:font script="Thai" typeface="Cordia New"/>
+        <a:font script="Ethi" typeface="Nyala"/>
+        <a:font script="Beng" typeface="Vrinda"/>
+        <a:font script="Gujr" typeface="Shruti"/>
+        <a:font script="Khmr" typeface="DaunPenh"/>
+        <a:font script="Knda" typeface="Tunga"/>
+        <a:font script="Guru" typeface="Raavi"/>
+        <a:font script="Cans" typeface="Euphemia"/>
+        <a:font script="Cher" typeface="Plantagenet Cherokee"/>
+        <a:font script="Yiii" typeface="Microsoft Yi Baiti"/>
+        <a:font script="Tibt" typeface="Microsoft Himalaya"/>
+        <a:font script="Thaa" typeface="MV Boli"/>
+        <a:font script="Deva" typeface="Mangal"/>
+        <a:font script="Telu" typeface="Gautami"/>
+        <a:font script="Taml" typeface="Latha"/>
+        <a:font script="Syrc" typeface="Estrangelo Edessa"/>
+        <a:font script="Orya" typeface="Kalinga"/>
+        <a:font script="Mlym" typeface="Kartika"/>
+        <a:font script="Laoo" typeface="DokChampa"/>
+        <a:font script="Sinh" typeface="Iskoola Pota"/>
+        <a:font script="Mong" typeface="Mongolian Baiti"/>
+        <a:font script="Viet" typeface="Arial"/>
+        <a:font script="Uigh" typeface="Microsoft Uighur"/>
+        <a:font script="Geor" typeface="Sylfaen"/>
+        <a:font script="Armn" typeface="Arial"/>
+        <a:font script="Bugi" typeface="Leelawadee UI"/>
+        <a:font script="Bopo" typeface="Microsoft JhengHei"/>
+        <a:font script="Java" typeface="Javanese Text"/>
+        <a:font script="Lisu" typeface="Segoe UI"/>
+        <a:font script="Mymr" typeface="Myanmar Text"/>
+        <a:font script="Nkoo" typeface="Ebrima"/>
+        <a:font script="Olck" typeface="Nirmala UI"/>
+        <a:font script="Osma" typeface="Ebrima"/>
+        <a:font script="Phag" typeface="Phagspa"/>
+        <a:font script="Syrn" typeface="Estrangelo Edessa"/>
+        <a:font script="Syrj" typeface="Estrangelo Edessa"/>
+        <a:font script="Syre" typeface="Estrangelo Edessa"/>
+        <a:font script="Sora" typeface="Nirmala UI"/>
+        <a:font script="Tale" typeface="Microsoft Tai Le"/>
+        <a:font script="Talu" typeface="Microsoft New Tai Lue"/>
+        <a:font script="Tfng" typeface="Ebrima"/>
+      </a:minorFont>
+    </a:fontScheme>
+    <a:fmtScheme name="Office">
+      <a:fillStyleLst>
+        <a:solidFill>
+          <a:schemeClr val="phClr"/>
+        </a:solidFill>
+        <a:gradFill rotWithShape="1">
+          <a:gsLst>
+            <a:gs pos="0">
+              <a:schemeClr val="phClr">
+                <a:lumMod val="110000"/>
+                <a:satMod val="105000"/>
+                <a:tint val="67000"/>
+              </a:schemeClr>
+            </a:gs>
+            <a:gs pos="50000">
+              <a:schemeClr val="phClr">
+                <a:lumMod val="105000"/>
+                <a:satMod val="103000"/>
+                <a:tint val="73000"/>
+              </a:schemeClr>
+            </a:gs>
+            <a:gs pos="100000">
+              <a:schemeClr val="phClr">
+                <a:lumMod val="105000"/>
+                <a:satMod val="109000"/>
+                <a:tint val="81000"/>
+              </a:schemeClr>
+            </a:gs>
+          </a:gsLst>
+          <a:lin ang="5400000" scaled="0"/>
+        </a:gradFill>
+        <a:gradFill rotWithShape="1">
+          <a:gsLst>
+            <a:gs pos="0">
+              <a:schemeClr val="phClr">
+                <a:satMod val="103000"/>
+                <a:lumMod val="102000"/>
+                <a:tint val="94000"/>
+              </a:schemeClr>
+            </a:gs>
+            <a:gs pos="50000">
+              <a:schemeClr val="phClr">
+                <a:satMod val="110000"/>
+                <a:lumMod val="100000"/>
+                <a:shade val="100000"/>
+              </a:schemeClr>
+            </a:gs>
+            <a:gs pos="100000">
+              <a:schemeClr val="phClr">
+                <a:lumMod val="99000"/>
+                <a:satMod val="120000"/>
+                <a:shade val="78000"/>
+              </a:schemeClr>
+            </a:gs>
+          </a:gsLst>
+          <a:lin ang="5400000" scaled="0"/>
+        </a:gradFill>
+      </a:fillStyleLst>
+      <a:lnStyleLst>
+        <a:ln w="6350" cap="flat" cmpd="sng" algn="ctr">
+          <a:solidFill>
+            <a:schemeClr val="phClr"/>
+          </a:solidFill>
+          <a:prstDash val="solid"/>
+          <a:miter lim="800000"/>
+        </a:ln>
+        <a:ln w="12700" cap="flat" cmpd="sng" algn="ctr">
+          <a:solidFill>
+            <a:schemeClr val="phClr"/>
+          </a:solidFill>
+          <a:prstDash val="solid"/>
+          <a:miter lim="800000"/>
+        </a:ln>
+        <a:ln w="19050" cap="flat" cmpd="sng" algn="ctr">
+          <a:solidFill>
+            <a:schemeClr val="phClr"/>
+          </a:solidFill>
+          <a:prstDash val="solid"/>
+          <a:miter lim="800000"/>
+        </a:ln>
+      </a:lnStyleLst>
+      <a:effectStyleLst>
+        <a:effectStyle>
+          <a:effectLst/>
+        </a:effectStyle>
+        <a:effectStyle>
+          <a:effectLst/>
+        </a:effectStyle>
+        <a:effectStyle>
+          <a:effectLst>
+            <a:outerShdw blurRad="57150" dist="19050" dir="5400000" algn="ctr" rotWithShape="0">
+              <a:srgbClr val="000000">
+                <a:alpha val="63000"/>
+              </a:srgbClr>
+            </a:outerShdw>
+          </a:effectLst>
+        </a:effectStyle>
+      </a:effectStyleLst>
+      <a:bgFillStyleLst>
+        <a:solidFill>
+          <a:schemeClr val="phClr"/>
+        </a:solidFill>
+        <a:solidFill>
+          <a:schemeClr val="phClr">
+            <a:tint val="95000"/>
+            <a:satMod val="170000"/>
+          </a:schemeClr>
+        </a:solidFill>
+        <a:gradFill rotWithShape="1">
+          <a:gsLst>
+            <a:gs pos="0">
+              <a:schemeClr val="phClr">
+                <a:tint val="93000"/>
+                <a:satMod val="150000"/>
+                <a:shade val="98000"/>
+                <a:lumMod val="102000"/>
+              </a:schemeClr>
+            </a:gs>
+            <a:gs pos="50000">
+              <a:schemeClr val="phClr">
+                <a:tint val="98000"/>
+                <a:satMod val="130000"/>
+                <a:shade val="90000"/>
+                <a:lumMod val="103000"/>
+              </a:schemeClr>
+            </a:gs>
+            <a:gs pos="100000">
+              <a:schemeClr val="phClr">
+                <a:shade val="63000"/>
+                <a:satMod val="120000"/>
+              </a:schemeClr>
+            </a:gs>
+          </a:gsLst>
+          <a:lin ang="5400000" scaled="0"/>
+        </a:gradFill>
+      </a:bgFillStyleLst>
+    </a:fmtScheme>
+  </a:themeElements>
+  <a:objectDefaults/>
+  <a:extraClrSchemeLst/>
+  <a:extLst>
+    <a:ext uri="{05A4C25C-085E-4340-85A3-A5531E510DB2}">
+      <thm15:themeFamily xmlns:thm15="http://schemas.microsoft.com/office/thememl/2012/main" name="Office Theme" id="{62F939B6-93AF-4DB8-9C6B-D6C7DFDC589F}" vid="{4A3C46E8-61CC-4603-A589-7422A47A8E4A}"/>
+    </a:ext>
+  </a:extLst>
+</a:theme>
 </file>